--- a/figs/figs.pptx
+++ b/figs/figs.pptx
@@ -125,7 +125,7 @@
   </p:defaultTextStyle>
   <p:extLst>
     <p:ext uri="{EFAFB233-063F-42B5-8137-9DF3F51BA10A}">
-      <p15:sldGuideLst xmlns="" xmlns:p15="http://schemas.microsoft.com/office/powerpoint/2012/main">
+      <p15:sldGuideLst xmlns:p15="http://schemas.microsoft.com/office/powerpoint/2012/main" xmlns="">
         <p15:guide id="1" orient="horz" pos="2160">
           <p15:clr>
             <a:srgbClr val="A4A3A4"/>
@@ -224,7 +224,7 @@
           <a:p>
             <a:fld id="{347ECA95-75C3-5E48-946C-F7960CA43F88}" type="datetimeFigureOut">
               <a:rPr lang="en-US" smtClean="0"/>
-              <a:t>1/5/16</a:t>
+              <a:t>1/14/16</a:t>
             </a:fld>
             <a:endParaRPr lang="en-US"/>
           </a:p>
@@ -841,7 +841,7 @@
           <a:p>
             <a:fld id="{73A4B2A3-D9DC-064E-90FE-771C025222F9}" type="datetimeFigureOut">
               <a:rPr lang="en-US" smtClean="0"/>
-              <a:t>1/5/16</a:t>
+              <a:t>1/14/16</a:t>
             </a:fld>
             <a:endParaRPr lang="en-US"/>
           </a:p>
@@ -1011,7 +1011,7 @@
           <a:p>
             <a:fld id="{73A4B2A3-D9DC-064E-90FE-771C025222F9}" type="datetimeFigureOut">
               <a:rPr lang="en-US" smtClean="0"/>
-              <a:t>1/5/16</a:t>
+              <a:t>1/14/16</a:t>
             </a:fld>
             <a:endParaRPr lang="en-US"/>
           </a:p>
@@ -1191,7 +1191,7 @@
           <a:p>
             <a:fld id="{73A4B2A3-D9DC-064E-90FE-771C025222F9}" type="datetimeFigureOut">
               <a:rPr lang="en-US" smtClean="0"/>
-              <a:t>1/5/16</a:t>
+              <a:t>1/14/16</a:t>
             </a:fld>
             <a:endParaRPr lang="en-US"/>
           </a:p>
@@ -1361,7 +1361,7 @@
           <a:p>
             <a:fld id="{73A4B2A3-D9DC-064E-90FE-771C025222F9}" type="datetimeFigureOut">
               <a:rPr lang="en-US" smtClean="0"/>
-              <a:t>1/5/16</a:t>
+              <a:t>1/14/16</a:t>
             </a:fld>
             <a:endParaRPr lang="en-US"/>
           </a:p>
@@ -1607,7 +1607,7 @@
           <a:p>
             <a:fld id="{73A4B2A3-D9DC-064E-90FE-771C025222F9}" type="datetimeFigureOut">
               <a:rPr lang="en-US" smtClean="0"/>
-              <a:t>1/5/16</a:t>
+              <a:t>1/14/16</a:t>
             </a:fld>
             <a:endParaRPr lang="en-US"/>
           </a:p>
@@ -1895,7 +1895,7 @@
           <a:p>
             <a:fld id="{73A4B2A3-D9DC-064E-90FE-771C025222F9}" type="datetimeFigureOut">
               <a:rPr lang="en-US" smtClean="0"/>
-              <a:t>1/5/16</a:t>
+              <a:t>1/14/16</a:t>
             </a:fld>
             <a:endParaRPr lang="en-US"/>
           </a:p>
@@ -2317,7 +2317,7 @@
           <a:p>
             <a:fld id="{73A4B2A3-D9DC-064E-90FE-771C025222F9}" type="datetimeFigureOut">
               <a:rPr lang="en-US" smtClean="0"/>
-              <a:t>1/5/16</a:t>
+              <a:t>1/14/16</a:t>
             </a:fld>
             <a:endParaRPr lang="en-US"/>
           </a:p>
@@ -2435,7 +2435,7 @@
           <a:p>
             <a:fld id="{73A4B2A3-D9DC-064E-90FE-771C025222F9}" type="datetimeFigureOut">
               <a:rPr lang="en-US" smtClean="0"/>
-              <a:t>1/5/16</a:t>
+              <a:t>1/14/16</a:t>
             </a:fld>
             <a:endParaRPr lang="en-US"/>
           </a:p>
@@ -2530,7 +2530,7 @@
           <a:p>
             <a:fld id="{73A4B2A3-D9DC-064E-90FE-771C025222F9}" type="datetimeFigureOut">
               <a:rPr lang="en-US" smtClean="0"/>
-              <a:t>1/5/16</a:t>
+              <a:t>1/14/16</a:t>
             </a:fld>
             <a:endParaRPr lang="en-US"/>
           </a:p>
@@ -2807,7 +2807,7 @@
           <a:p>
             <a:fld id="{73A4B2A3-D9DC-064E-90FE-771C025222F9}" type="datetimeFigureOut">
               <a:rPr lang="en-US" smtClean="0"/>
-              <a:t>1/5/16</a:t>
+              <a:t>1/14/16</a:t>
             </a:fld>
             <a:endParaRPr lang="en-US"/>
           </a:p>
@@ -3060,7 +3060,7 @@
           <a:p>
             <a:fld id="{73A4B2A3-D9DC-064E-90FE-771C025222F9}" type="datetimeFigureOut">
               <a:rPr lang="en-US" smtClean="0"/>
-              <a:t>1/5/16</a:t>
+              <a:t>1/14/16</a:t>
             </a:fld>
             <a:endParaRPr lang="en-US"/>
           </a:p>
@@ -3273,7 +3273,7 @@
           <a:p>
             <a:fld id="{73A4B2A3-D9DC-064E-90FE-771C025222F9}" type="datetimeFigureOut">
               <a:rPr lang="en-US" smtClean="0"/>
-              <a:t>1/5/16</a:t>
+              <a:t>1/14/16</a:t>
             </a:fld>
             <a:endParaRPr lang="en-US"/>
           </a:p>
@@ -17335,7 +17335,7 @@
                 <a:lumMod val="50000"/>
               </a:schemeClr>
             </a:solidFill>
-            <a:prstDash val="sysDot"/>
+            <a:prstDash val="solid"/>
           </a:ln>
           <a:effectLst/>
         </p:spPr>
@@ -17474,7 +17474,7 @@
                 <a:lumMod val="50000"/>
               </a:schemeClr>
             </a:solidFill>
-            <a:prstDash val="sysDot"/>
+            <a:prstDash val="solid"/>
           </a:ln>
           <a:effectLst/>
         </p:spPr>

--- a/figs/figs.pptx
+++ b/figs/figs.pptx
@@ -125,7 +125,7 @@
   </p:defaultTextStyle>
   <p:extLst>
     <p:ext uri="{EFAFB233-063F-42B5-8137-9DF3F51BA10A}">
-      <p15:sldGuideLst xmlns:p15="http://schemas.microsoft.com/office/powerpoint/2012/main" xmlns="">
+      <p15:sldGuideLst xmlns="" xmlns:p15="http://schemas.microsoft.com/office/powerpoint/2012/main">
         <p15:guide id="1" orient="horz" pos="2160">
           <p15:clr>
             <a:srgbClr val="A4A3A4"/>
@@ -224,7 +224,7 @@
           <a:p>
             <a:fld id="{347ECA95-75C3-5E48-946C-F7960CA43F88}" type="datetimeFigureOut">
               <a:rPr lang="en-US" smtClean="0"/>
-              <a:t>1/14/16</a:t>
+              <a:t>1/15/16</a:t>
             </a:fld>
             <a:endParaRPr lang="en-US"/>
           </a:p>
@@ -841,7 +841,7 @@
           <a:p>
             <a:fld id="{73A4B2A3-D9DC-064E-90FE-771C025222F9}" type="datetimeFigureOut">
               <a:rPr lang="en-US" smtClean="0"/>
-              <a:t>1/14/16</a:t>
+              <a:t>1/15/16</a:t>
             </a:fld>
             <a:endParaRPr lang="en-US"/>
           </a:p>
@@ -1011,7 +1011,7 @@
           <a:p>
             <a:fld id="{73A4B2A3-D9DC-064E-90FE-771C025222F9}" type="datetimeFigureOut">
               <a:rPr lang="en-US" smtClean="0"/>
-              <a:t>1/14/16</a:t>
+              <a:t>1/15/16</a:t>
             </a:fld>
             <a:endParaRPr lang="en-US"/>
           </a:p>
@@ -1191,7 +1191,7 @@
           <a:p>
             <a:fld id="{73A4B2A3-D9DC-064E-90FE-771C025222F9}" type="datetimeFigureOut">
               <a:rPr lang="en-US" smtClean="0"/>
-              <a:t>1/14/16</a:t>
+              <a:t>1/15/16</a:t>
             </a:fld>
             <a:endParaRPr lang="en-US"/>
           </a:p>
@@ -1361,7 +1361,7 @@
           <a:p>
             <a:fld id="{73A4B2A3-D9DC-064E-90FE-771C025222F9}" type="datetimeFigureOut">
               <a:rPr lang="en-US" smtClean="0"/>
-              <a:t>1/14/16</a:t>
+              <a:t>1/15/16</a:t>
             </a:fld>
             <a:endParaRPr lang="en-US"/>
           </a:p>
@@ -1607,7 +1607,7 @@
           <a:p>
             <a:fld id="{73A4B2A3-D9DC-064E-90FE-771C025222F9}" type="datetimeFigureOut">
               <a:rPr lang="en-US" smtClean="0"/>
-              <a:t>1/14/16</a:t>
+              <a:t>1/15/16</a:t>
             </a:fld>
             <a:endParaRPr lang="en-US"/>
           </a:p>
@@ -1895,7 +1895,7 @@
           <a:p>
             <a:fld id="{73A4B2A3-D9DC-064E-90FE-771C025222F9}" type="datetimeFigureOut">
               <a:rPr lang="en-US" smtClean="0"/>
-              <a:t>1/14/16</a:t>
+              <a:t>1/15/16</a:t>
             </a:fld>
             <a:endParaRPr lang="en-US"/>
           </a:p>
@@ -2317,7 +2317,7 @@
           <a:p>
             <a:fld id="{73A4B2A3-D9DC-064E-90FE-771C025222F9}" type="datetimeFigureOut">
               <a:rPr lang="en-US" smtClean="0"/>
-              <a:t>1/14/16</a:t>
+              <a:t>1/15/16</a:t>
             </a:fld>
             <a:endParaRPr lang="en-US"/>
           </a:p>
@@ -2435,7 +2435,7 @@
           <a:p>
             <a:fld id="{73A4B2A3-D9DC-064E-90FE-771C025222F9}" type="datetimeFigureOut">
               <a:rPr lang="en-US" smtClean="0"/>
-              <a:t>1/14/16</a:t>
+              <a:t>1/15/16</a:t>
             </a:fld>
             <a:endParaRPr lang="en-US"/>
           </a:p>
@@ -2530,7 +2530,7 @@
           <a:p>
             <a:fld id="{73A4B2A3-D9DC-064E-90FE-771C025222F9}" type="datetimeFigureOut">
               <a:rPr lang="en-US" smtClean="0"/>
-              <a:t>1/14/16</a:t>
+              <a:t>1/15/16</a:t>
             </a:fld>
             <a:endParaRPr lang="en-US"/>
           </a:p>
@@ -2807,7 +2807,7 @@
           <a:p>
             <a:fld id="{73A4B2A3-D9DC-064E-90FE-771C025222F9}" type="datetimeFigureOut">
               <a:rPr lang="en-US" smtClean="0"/>
-              <a:t>1/14/16</a:t>
+              <a:t>1/15/16</a:t>
             </a:fld>
             <a:endParaRPr lang="en-US"/>
           </a:p>
@@ -3060,7 +3060,7 @@
           <a:p>
             <a:fld id="{73A4B2A3-D9DC-064E-90FE-771C025222F9}" type="datetimeFigureOut">
               <a:rPr lang="en-US" smtClean="0"/>
-              <a:t>1/14/16</a:t>
+              <a:t>1/15/16</a:t>
             </a:fld>
             <a:endParaRPr lang="en-US"/>
           </a:p>
@@ -3273,7 +3273,7 @@
           <a:p>
             <a:fld id="{73A4B2A3-D9DC-064E-90FE-771C025222F9}" type="datetimeFigureOut">
               <a:rPr lang="en-US" smtClean="0"/>
-              <a:t>1/14/16</a:t>
+              <a:t>1/15/16</a:t>
             </a:fld>
             <a:endParaRPr lang="en-US"/>
           </a:p>
@@ -13078,56 +13078,292 @@
           <a:chExt cx="0" cy="0"/>
         </a:xfrm>
       </p:grpSpPr>
+      <p:cxnSp>
+        <p:nvCxnSpPr>
+          <p:cNvPr id="76" name="Straight Connector 75"/>
+          <p:cNvCxnSpPr/>
+          <p:nvPr/>
+        </p:nvCxnSpPr>
+        <p:spPr>
+          <a:xfrm flipH="1" flipV="1">
+            <a:off x="10115154" y="1089535"/>
+            <a:ext cx="637716" cy="2105969"/>
+          </a:xfrm>
+          <a:prstGeom prst="line">
+            <a:avLst/>
+          </a:prstGeom>
+          <a:ln w="50800">
+            <a:solidFill>
+              <a:srgbClr val="FB3A18"/>
+            </a:solidFill>
+          </a:ln>
+          <a:effectLst/>
+        </p:spPr>
+        <p:style>
+          <a:lnRef idx="2">
+            <a:schemeClr val="accent1"/>
+          </a:lnRef>
+          <a:fillRef idx="0">
+            <a:schemeClr val="accent1"/>
+          </a:fillRef>
+          <a:effectRef idx="1">
+            <a:schemeClr val="accent1"/>
+          </a:effectRef>
+          <a:fontRef idx="minor">
+            <a:schemeClr val="tx1"/>
+          </a:fontRef>
+        </p:style>
+      </p:cxnSp>
+      <p:sp>
+        <p:nvSpPr>
+          <p:cNvPr id="77" name="TextBox 76"/>
+          <p:cNvSpPr txBox="1"/>
+          <p:nvPr/>
+        </p:nvSpPr>
+        <p:spPr>
+          <a:xfrm>
+            <a:off x="8346482" y="4058384"/>
+            <a:ext cx="3124323" cy="461665"/>
+          </a:xfrm>
+          <a:prstGeom prst="rect">
+            <a:avLst/>
+          </a:prstGeom>
+          <a:noFill/>
+        </p:spPr>
+        <p:txBody>
+          <a:bodyPr wrap="none" rtlCol="0">
+            <a:spAutoFit/>
+          </a:bodyPr>
+          <a:lstStyle/>
+          <a:p>
+            <a:r>
+              <a:rPr lang="en-US" sz="2400" dirty="0" smtClean="0">
+                <a:latin typeface="Times New Roman" charset="0"/>
+                <a:ea typeface="Times New Roman" charset="0"/>
+                <a:cs typeface="Times New Roman" charset="0"/>
+              </a:rPr>
+              <a:t>(c) Sampled Clean Data</a:t>
+            </a:r>
+            <a:endParaRPr lang="en-US" sz="2400" dirty="0">
+              <a:latin typeface="Times New Roman" charset="0"/>
+              <a:ea typeface="Times New Roman" charset="0"/>
+              <a:cs typeface="Times New Roman" charset="0"/>
+            </a:endParaRPr>
+          </a:p>
+        </p:txBody>
+      </p:sp>
+      <p:cxnSp>
+        <p:nvCxnSpPr>
+          <p:cNvPr id="58" name="Straight Connector 57"/>
+          <p:cNvCxnSpPr/>
+          <p:nvPr/>
+        </p:nvCxnSpPr>
+        <p:spPr>
+          <a:xfrm flipV="1">
+            <a:off x="9378831" y="1065628"/>
+            <a:ext cx="1907694" cy="2936971"/>
+          </a:xfrm>
+          <a:prstGeom prst="line">
+            <a:avLst/>
+          </a:prstGeom>
+          <a:ln w="50800">
+            <a:solidFill>
+              <a:srgbClr val="3899FF"/>
+            </a:solidFill>
+          </a:ln>
+          <a:effectLst/>
+        </p:spPr>
+        <p:style>
+          <a:lnRef idx="2">
+            <a:schemeClr val="accent1"/>
+          </a:lnRef>
+          <a:fillRef idx="0">
+            <a:schemeClr val="accent1"/>
+          </a:fillRef>
+          <a:effectRef idx="1">
+            <a:schemeClr val="accent1"/>
+          </a:effectRef>
+          <a:fontRef idx="minor">
+            <a:schemeClr val="tx1"/>
+          </a:fontRef>
+        </p:style>
+      </p:cxnSp>
+      <p:sp>
+        <p:nvSpPr>
+          <p:cNvPr id="66" name="TextBox 65"/>
+          <p:cNvSpPr txBox="1"/>
+          <p:nvPr/>
+        </p:nvSpPr>
+        <p:spPr>
+          <a:xfrm>
+            <a:off x="10466503" y="3190923"/>
+            <a:ext cx="766557" cy="369332"/>
+          </a:xfrm>
+          <a:prstGeom prst="rect">
+            <a:avLst/>
+          </a:prstGeom>
+          <a:noFill/>
+        </p:spPr>
+        <p:txBody>
+          <a:bodyPr wrap="none" rtlCol="0">
+            <a:spAutoFit/>
+          </a:bodyPr>
+          <a:lstStyle/>
+          <a:p>
+            <a:r>
+              <a:rPr lang="en-US" dirty="0" smtClean="0">
+                <a:solidFill>
+                  <a:srgbClr val="FF0000"/>
+                </a:solidFill>
+                <a:latin typeface="Gill Sans"/>
+                <a:cs typeface="Gill Sans"/>
+              </a:rPr>
+              <a:t>Result</a:t>
+            </a:r>
+            <a:endParaRPr lang="en-US" dirty="0">
+              <a:solidFill>
+                <a:srgbClr val="FF0000"/>
+              </a:solidFill>
+              <a:latin typeface="Gill Sans"/>
+              <a:cs typeface="Gill Sans"/>
+            </a:endParaRPr>
+          </a:p>
+        </p:txBody>
+      </p:sp>
+      <p:sp>
+        <p:nvSpPr>
+          <p:cNvPr id="69" name="TextBox 68"/>
+          <p:cNvSpPr txBox="1"/>
+          <p:nvPr/>
+        </p:nvSpPr>
+        <p:spPr>
+          <a:xfrm rot="18183509">
+            <a:off x="9129389" y="3367615"/>
+            <a:ext cx="612668" cy="369332"/>
+          </a:xfrm>
+          <a:prstGeom prst="rect">
+            <a:avLst/>
+          </a:prstGeom>
+          <a:noFill/>
+        </p:spPr>
+        <p:txBody>
+          <a:bodyPr wrap="none" rtlCol="0">
+            <a:spAutoFit/>
+          </a:bodyPr>
+          <a:lstStyle/>
+          <a:p>
+            <a:r>
+              <a:rPr lang="en-US" dirty="0" smtClean="0">
+                <a:solidFill>
+                  <a:srgbClr val="3899FF"/>
+                </a:solidFill>
+                <a:latin typeface="Gill Sans"/>
+                <a:cs typeface="Gill Sans"/>
+              </a:rPr>
+              <a:t>True</a:t>
+            </a:r>
+            <a:endParaRPr lang="en-US" dirty="0">
+              <a:solidFill>
+                <a:srgbClr val="3899FF"/>
+              </a:solidFill>
+              <a:latin typeface="Gill Sans"/>
+              <a:cs typeface="Gill Sans"/>
+            </a:endParaRPr>
+          </a:p>
+        </p:txBody>
+      </p:sp>
+      <p:cxnSp>
+        <p:nvCxnSpPr>
+          <p:cNvPr id="72" name="Straight Arrow Connector 71"/>
+          <p:cNvCxnSpPr/>
+          <p:nvPr/>
+        </p:nvCxnSpPr>
+        <p:spPr>
+          <a:xfrm flipV="1">
+            <a:off x="8158040" y="878749"/>
+            <a:ext cx="0" cy="3116380"/>
+          </a:xfrm>
+          <a:prstGeom prst="straightConnector1">
+            <a:avLst/>
+          </a:prstGeom>
+          <a:ln w="50800">
+            <a:solidFill>
+              <a:schemeClr val="bg1">
+                <a:lumMod val="50000"/>
+              </a:schemeClr>
+            </a:solidFill>
+            <a:tailEnd type="triangle"/>
+          </a:ln>
+          <a:effectLst/>
+        </p:spPr>
+        <p:style>
+          <a:lnRef idx="2">
+            <a:schemeClr val="accent1"/>
+          </a:lnRef>
+          <a:fillRef idx="0">
+            <a:schemeClr val="accent1"/>
+          </a:fillRef>
+          <a:effectRef idx="1">
+            <a:schemeClr val="accent1"/>
+          </a:effectRef>
+          <a:fontRef idx="minor">
+            <a:schemeClr val="tx1"/>
+          </a:fontRef>
+        </p:style>
+      </p:cxnSp>
+      <p:cxnSp>
+        <p:nvCxnSpPr>
+          <p:cNvPr id="73" name="Straight Arrow Connector 72"/>
+          <p:cNvCxnSpPr/>
+          <p:nvPr/>
+        </p:nvCxnSpPr>
+        <p:spPr>
+          <a:xfrm flipV="1">
+            <a:off x="8158040" y="3973668"/>
+            <a:ext cx="3482804" cy="21461"/>
+          </a:xfrm>
+          <a:prstGeom prst="straightConnector1">
+            <a:avLst/>
+          </a:prstGeom>
+          <a:ln w="50800">
+            <a:solidFill>
+              <a:schemeClr val="bg1">
+                <a:lumMod val="50000"/>
+              </a:schemeClr>
+            </a:solidFill>
+            <a:tailEnd type="triangle"/>
+          </a:ln>
+          <a:effectLst/>
+        </p:spPr>
+        <p:style>
+          <a:lnRef idx="2">
+            <a:schemeClr val="accent1"/>
+          </a:lnRef>
+          <a:fillRef idx="0">
+            <a:schemeClr val="accent1"/>
+          </a:fillRef>
+          <a:effectRef idx="1">
+            <a:schemeClr val="accent1"/>
+          </a:effectRef>
+          <a:fontRef idx="minor">
+            <a:schemeClr val="tx1"/>
+          </a:fontRef>
+        </p:style>
+      </p:cxnSp>
       <p:grpSp>
         <p:nvGrpSpPr>
-          <p:cNvPr id="8" name="Group 7"/>
+          <p:cNvPr id="4" name="Group 3"/>
           <p:cNvGrpSpPr/>
           <p:nvPr/>
         </p:nvGrpSpPr>
         <p:grpSpPr>
           <a:xfrm>
             <a:off x="253045" y="868019"/>
-            <a:ext cx="11387799" cy="3652030"/>
+            <a:ext cx="7702839" cy="3652030"/>
             <a:chOff x="253045" y="868019"/>
-            <a:chExt cx="11387799" cy="3652030"/>
+            <a:chExt cx="7702839" cy="3652030"/>
           </a:xfrm>
         </p:grpSpPr>
-        <p:cxnSp>
-          <p:nvCxnSpPr>
-            <p:cNvPr id="76" name="Straight Connector 75"/>
-            <p:cNvCxnSpPr/>
-            <p:nvPr/>
-          </p:nvCxnSpPr>
-          <p:spPr>
-            <a:xfrm flipH="1" flipV="1">
-              <a:off x="10115154" y="1089535"/>
-              <a:ext cx="637716" cy="2105969"/>
-            </a:xfrm>
-            <a:prstGeom prst="line">
-              <a:avLst/>
-            </a:prstGeom>
-            <a:ln w="50800">
-              <a:solidFill>
-                <a:srgbClr val="FB3A18"/>
-              </a:solidFill>
-            </a:ln>
-            <a:effectLst/>
-          </p:spPr>
-          <p:style>
-            <a:lnRef idx="2">
-              <a:schemeClr val="accent1"/>
-            </a:lnRef>
-            <a:fillRef idx="0">
-              <a:schemeClr val="accent1"/>
-            </a:fillRef>
-            <a:effectRef idx="1">
-              <a:schemeClr val="accent1"/>
-            </a:effectRef>
-            <a:fontRef idx="minor">
-              <a:schemeClr val="tx1"/>
-            </a:fontRef>
-          </p:style>
-        </p:cxnSp>
         <p:sp>
           <p:nvSpPr>
             <p:cNvPr id="33" name="TextBox 32"/>
@@ -13467,44 +13703,6 @@
             </a:fontRef>
           </p:style>
         </p:cxnSp>
-        <p:sp>
-          <p:nvSpPr>
-            <p:cNvPr id="77" name="TextBox 76"/>
-            <p:cNvSpPr txBox="1"/>
-            <p:nvPr/>
-          </p:nvSpPr>
-          <p:spPr>
-            <a:xfrm>
-              <a:off x="8346482" y="4058384"/>
-              <a:ext cx="3124323" cy="461665"/>
-            </a:xfrm>
-            <a:prstGeom prst="rect">
-              <a:avLst/>
-            </a:prstGeom>
-            <a:noFill/>
-          </p:spPr>
-          <p:txBody>
-            <a:bodyPr wrap="none" rtlCol="0">
-              <a:spAutoFit/>
-            </a:bodyPr>
-            <a:lstStyle/>
-            <a:p>
-              <a:r>
-                <a:rPr lang="en-US" sz="2400" dirty="0" smtClean="0">
-                  <a:latin typeface="Times New Roman" charset="0"/>
-                  <a:ea typeface="Times New Roman" charset="0"/>
-                  <a:cs typeface="Times New Roman" charset="0"/>
-                </a:rPr>
-                <a:t>(c) Sampled Clean Data</a:t>
-              </a:r>
-              <a:endParaRPr lang="en-US" sz="2400" dirty="0">
-                <a:latin typeface="Times New Roman" charset="0"/>
-                <a:ea typeface="Times New Roman" charset="0"/>
-                <a:cs typeface="Times New Roman" charset="0"/>
-              </a:endParaRPr>
-            </a:p>
-          </p:txBody>
-        </p:sp>
         <p:cxnSp>
           <p:nvCxnSpPr>
             <p:cNvPr id="31" name="Straight Connector 30"/>
@@ -13742,42 +13940,6 @@
             </a:fontRef>
           </p:style>
         </p:cxnSp>
-        <p:cxnSp>
-          <p:nvCxnSpPr>
-            <p:cNvPr id="58" name="Straight Connector 57"/>
-            <p:cNvCxnSpPr/>
-            <p:nvPr/>
-          </p:nvCxnSpPr>
-          <p:spPr>
-            <a:xfrm flipV="1">
-              <a:off x="9378831" y="1065628"/>
-              <a:ext cx="1907694" cy="2936971"/>
-            </a:xfrm>
-            <a:prstGeom prst="line">
-              <a:avLst/>
-            </a:prstGeom>
-            <a:ln w="50800">
-              <a:solidFill>
-                <a:srgbClr val="3899FF"/>
-              </a:solidFill>
-            </a:ln>
-            <a:effectLst/>
-          </p:spPr>
-          <p:style>
-            <a:lnRef idx="2">
-              <a:schemeClr val="accent1"/>
-            </a:lnRef>
-            <a:fillRef idx="0">
-              <a:schemeClr val="accent1"/>
-            </a:fillRef>
-            <a:effectRef idx="1">
-              <a:schemeClr val="accent1"/>
-            </a:effectRef>
-            <a:fontRef idx="minor">
-              <a:schemeClr val="tx1"/>
-            </a:fontRef>
-          </p:style>
-        </p:cxnSp>
         <p:sp>
           <p:nvSpPr>
             <p:cNvPr id="14" name="TextBox 13"/>
@@ -13786,8 +13948,8 @@
           </p:nvSpPr>
           <p:spPr>
             <a:xfrm rot="18183509">
-              <a:off x="1009143" y="3367615"/>
-              <a:ext cx="612668" cy="369332"/>
+              <a:off x="729193" y="3227712"/>
+              <a:ext cx="1263199" cy="369332"/>
             </a:xfrm>
             <a:prstGeom prst="rect">
               <a:avLst/>
@@ -13808,7 +13970,7 @@
                   <a:latin typeface="Gill Sans"/>
                   <a:cs typeface="Gill Sans"/>
                 </a:rPr>
-                <a:t>True</a:t>
+                <a:t>True Model</a:t>
               </a:r>
               <a:endParaRPr lang="en-US" dirty="0">
                 <a:solidFill>
@@ -13829,7 +13991,7 @@
           <p:spPr>
             <a:xfrm>
               <a:off x="253045" y="2632139"/>
-              <a:ext cx="766557" cy="369332"/>
+              <a:ext cx="1071026" cy="369332"/>
             </a:xfrm>
             <a:prstGeom prst="rect">
               <a:avLst/>
@@ -13850,7 +14012,7 @@
                   <a:latin typeface="Gill Sans"/>
                   <a:cs typeface="Gill Sans"/>
                 </a:rPr>
-                <a:t>Result</a:t>
+                <a:t>Fit Model</a:t>
               </a:r>
               <a:endParaRPr lang="en-US" dirty="0">
                 <a:solidFill>
@@ -13871,7 +14033,7 @@
           <p:spPr>
             <a:xfrm>
               <a:off x="6884858" y="2949588"/>
-              <a:ext cx="766557" cy="369332"/>
+              <a:ext cx="1071026" cy="369332"/>
             </a:xfrm>
             <a:prstGeom prst="rect">
               <a:avLst/>
@@ -13892,49 +14054,7 @@
                   <a:latin typeface="Gill Sans"/>
                   <a:cs typeface="Gill Sans"/>
                 </a:rPr>
-                <a:t>Result</a:t>
-              </a:r>
-              <a:endParaRPr lang="en-US" dirty="0">
-                <a:solidFill>
-                  <a:srgbClr val="FF0000"/>
-                </a:solidFill>
-                <a:latin typeface="Gill Sans"/>
-                <a:cs typeface="Gill Sans"/>
-              </a:endParaRPr>
-            </a:p>
-          </p:txBody>
-        </p:sp>
-        <p:sp>
-          <p:nvSpPr>
-            <p:cNvPr id="66" name="TextBox 65"/>
-            <p:cNvSpPr txBox="1"/>
-            <p:nvPr/>
-          </p:nvSpPr>
-          <p:spPr>
-            <a:xfrm>
-              <a:off x="10466503" y="3190923"/>
-              <a:ext cx="766557" cy="369332"/>
-            </a:xfrm>
-            <a:prstGeom prst="rect">
-              <a:avLst/>
-            </a:prstGeom>
-            <a:noFill/>
-          </p:spPr>
-          <p:txBody>
-            <a:bodyPr wrap="none" rtlCol="0">
-              <a:spAutoFit/>
-            </a:bodyPr>
-            <a:lstStyle/>
-            <a:p>
-              <a:r>
-                <a:rPr lang="en-US" dirty="0" smtClean="0">
-                  <a:solidFill>
-                    <a:srgbClr val="FF0000"/>
-                  </a:solidFill>
-                  <a:latin typeface="Gill Sans"/>
-                  <a:cs typeface="Gill Sans"/>
-                </a:rPr>
-                <a:t>Result</a:t>
+                <a:t>Fit Model</a:t>
               </a:r>
               <a:endParaRPr lang="en-US" dirty="0">
                 <a:solidFill>
@@ -13954,8 +14074,8 @@
           </p:nvSpPr>
           <p:spPr>
             <a:xfrm rot="18183509">
-              <a:off x="5046673" y="3367615"/>
-              <a:ext cx="612668" cy="369332"/>
+              <a:off x="4821678" y="3187847"/>
+              <a:ext cx="1263199" cy="369332"/>
             </a:xfrm>
             <a:prstGeom prst="rect">
               <a:avLst/>
@@ -13969,56 +14089,14 @@
             <a:lstStyle/>
             <a:p>
               <a:r>
-                <a:rPr lang="en-US" dirty="0" smtClean="0">
+                <a:rPr lang="en-US" dirty="0">
                   <a:solidFill>
                     <a:srgbClr val="3899FF"/>
                   </a:solidFill>
                   <a:latin typeface="Gill Sans"/>
                   <a:cs typeface="Gill Sans"/>
                 </a:rPr>
-                <a:t>True</a:t>
-              </a:r>
-              <a:endParaRPr lang="en-US" dirty="0">
-                <a:solidFill>
-                  <a:srgbClr val="3899FF"/>
-                </a:solidFill>
-                <a:latin typeface="Gill Sans"/>
-                <a:cs typeface="Gill Sans"/>
-              </a:endParaRPr>
-            </a:p>
-          </p:txBody>
-        </p:sp>
-        <p:sp>
-          <p:nvSpPr>
-            <p:cNvPr id="69" name="TextBox 68"/>
-            <p:cNvSpPr txBox="1"/>
-            <p:nvPr/>
-          </p:nvSpPr>
-          <p:spPr>
-            <a:xfrm rot="18183509">
-              <a:off x="9129389" y="3367615"/>
-              <a:ext cx="612668" cy="369332"/>
-            </a:xfrm>
-            <a:prstGeom prst="rect">
-              <a:avLst/>
-            </a:prstGeom>
-            <a:noFill/>
-          </p:spPr>
-          <p:txBody>
-            <a:bodyPr wrap="none" rtlCol="0">
-              <a:spAutoFit/>
-            </a:bodyPr>
-            <a:lstStyle/>
-            <a:p>
-              <a:r>
-                <a:rPr lang="en-US" dirty="0" smtClean="0">
-                  <a:solidFill>
-                    <a:srgbClr val="3899FF"/>
-                  </a:solidFill>
-                  <a:latin typeface="Gill Sans"/>
-                  <a:cs typeface="Gill Sans"/>
-                </a:rPr>
-                <a:t>True</a:t>
+                <a:t>True Model</a:t>
               </a:r>
               <a:endParaRPr lang="en-US" dirty="0">
                 <a:solidFill>
@@ -14156,84 +14234,6 @@
           <p:spPr>
             <a:xfrm flipV="1">
               <a:off x="4191213" y="3962938"/>
-              <a:ext cx="3482804" cy="21461"/>
-            </a:xfrm>
-            <a:prstGeom prst="straightConnector1">
-              <a:avLst/>
-            </a:prstGeom>
-            <a:ln w="50800">
-              <a:solidFill>
-                <a:schemeClr val="bg1">
-                  <a:lumMod val="50000"/>
-                </a:schemeClr>
-              </a:solidFill>
-              <a:tailEnd type="triangle"/>
-            </a:ln>
-            <a:effectLst/>
-          </p:spPr>
-          <p:style>
-            <a:lnRef idx="2">
-              <a:schemeClr val="accent1"/>
-            </a:lnRef>
-            <a:fillRef idx="0">
-              <a:schemeClr val="accent1"/>
-            </a:fillRef>
-            <a:effectRef idx="1">
-              <a:schemeClr val="accent1"/>
-            </a:effectRef>
-            <a:fontRef idx="minor">
-              <a:schemeClr val="tx1"/>
-            </a:fontRef>
-          </p:style>
-        </p:cxnSp>
-        <p:cxnSp>
-          <p:nvCxnSpPr>
-            <p:cNvPr id="72" name="Straight Arrow Connector 71"/>
-            <p:cNvCxnSpPr/>
-            <p:nvPr/>
-          </p:nvCxnSpPr>
-          <p:spPr>
-            <a:xfrm flipV="1">
-              <a:off x="8158040" y="878749"/>
-              <a:ext cx="0" cy="3116380"/>
-            </a:xfrm>
-            <a:prstGeom prst="straightConnector1">
-              <a:avLst/>
-            </a:prstGeom>
-            <a:ln w="50800">
-              <a:solidFill>
-                <a:schemeClr val="bg1">
-                  <a:lumMod val="50000"/>
-                </a:schemeClr>
-              </a:solidFill>
-              <a:tailEnd type="triangle"/>
-            </a:ln>
-            <a:effectLst/>
-          </p:spPr>
-          <p:style>
-            <a:lnRef idx="2">
-              <a:schemeClr val="accent1"/>
-            </a:lnRef>
-            <a:fillRef idx="0">
-              <a:schemeClr val="accent1"/>
-            </a:fillRef>
-            <a:effectRef idx="1">
-              <a:schemeClr val="accent1"/>
-            </a:effectRef>
-            <a:fontRef idx="minor">
-              <a:schemeClr val="tx1"/>
-            </a:fontRef>
-          </p:style>
-        </p:cxnSp>
-        <p:cxnSp>
-          <p:nvCxnSpPr>
-            <p:cNvPr id="73" name="Straight Arrow Connector 72"/>
-            <p:cNvCxnSpPr/>
-            <p:nvPr/>
-          </p:nvCxnSpPr>
-          <p:spPr>
-            <a:xfrm flipV="1">
-              <a:off x="8158040" y="3973668"/>
               <a:ext cx="3482804" cy="21461"/>
             </a:xfrm>
             <a:prstGeom prst="straightConnector1">
@@ -14861,97 +14861,97 @@
             </a:p>
           </p:txBody>
         </p:sp>
-        <p:sp>
-          <p:nvSpPr>
-            <p:cNvPr id="78" name="Rectangle 77"/>
-            <p:cNvSpPr/>
-            <p:nvPr/>
-          </p:nvSpPr>
-          <p:spPr>
-            <a:xfrm>
-              <a:off x="10358249" y="1943506"/>
-              <a:ext cx="197311" cy="200528"/>
-            </a:xfrm>
-            <a:prstGeom prst="rect">
-              <a:avLst/>
-            </a:prstGeom>
-            <a:solidFill>
-              <a:srgbClr val="3899FF"/>
-            </a:solidFill>
-            <a:ln w="34925">
-              <a:noFill/>
-            </a:ln>
-            <a:effectLst/>
-          </p:spPr>
-          <p:style>
-            <a:lnRef idx="1">
-              <a:schemeClr val="accent1"/>
-            </a:lnRef>
-            <a:fillRef idx="3">
-              <a:schemeClr val="accent1"/>
-            </a:fillRef>
-            <a:effectRef idx="2">
-              <a:schemeClr val="accent1"/>
-            </a:effectRef>
-            <a:fontRef idx="minor">
-              <a:schemeClr val="lt1"/>
-            </a:fontRef>
-          </p:style>
-          <p:txBody>
-            <a:bodyPr rtlCol="0" anchor="ctr"/>
-            <a:lstStyle/>
-            <a:p>
-              <a:pPr algn="ctr"/>
-              <a:endParaRPr lang="en-US"/>
-            </a:p>
-          </p:txBody>
-        </p:sp>
-        <p:sp>
-          <p:nvSpPr>
-            <p:cNvPr id="79" name="Rectangle 78"/>
-            <p:cNvSpPr/>
-            <p:nvPr/>
-          </p:nvSpPr>
-          <p:spPr>
-            <a:xfrm>
-              <a:off x="10555559" y="2700828"/>
-              <a:ext cx="197311" cy="200528"/>
-            </a:xfrm>
-            <a:prstGeom prst="rect">
-              <a:avLst/>
-            </a:prstGeom>
-            <a:solidFill>
-              <a:srgbClr val="3899FF"/>
-            </a:solidFill>
-            <a:ln w="34925">
-              <a:noFill/>
-            </a:ln>
-            <a:effectLst/>
-          </p:spPr>
-          <p:style>
-            <a:lnRef idx="1">
-              <a:schemeClr val="accent1"/>
-            </a:lnRef>
-            <a:fillRef idx="3">
-              <a:schemeClr val="accent1"/>
-            </a:fillRef>
-            <a:effectRef idx="2">
-              <a:schemeClr val="accent1"/>
-            </a:effectRef>
-            <a:fontRef idx="minor">
-              <a:schemeClr val="lt1"/>
-            </a:fontRef>
-          </p:style>
-          <p:txBody>
-            <a:bodyPr rtlCol="0" anchor="ctr"/>
-            <a:lstStyle/>
-            <a:p>
-              <a:pPr algn="ctr"/>
-              <a:endParaRPr lang="en-US"/>
-            </a:p>
-          </p:txBody>
-        </p:sp>
       </p:grpSp>
+      <p:sp>
+        <p:nvSpPr>
+          <p:cNvPr id="78" name="Rectangle 77"/>
+          <p:cNvSpPr/>
+          <p:nvPr/>
+        </p:nvSpPr>
+        <p:spPr>
+          <a:xfrm>
+            <a:off x="10358249" y="1943506"/>
+            <a:ext cx="197311" cy="200528"/>
+          </a:xfrm>
+          <a:prstGeom prst="rect">
+            <a:avLst/>
+          </a:prstGeom>
+          <a:solidFill>
+            <a:srgbClr val="3899FF"/>
+          </a:solidFill>
+          <a:ln w="34925">
+            <a:noFill/>
+          </a:ln>
+          <a:effectLst/>
+        </p:spPr>
+        <p:style>
+          <a:lnRef idx="1">
+            <a:schemeClr val="accent1"/>
+          </a:lnRef>
+          <a:fillRef idx="3">
+            <a:schemeClr val="accent1"/>
+          </a:fillRef>
+          <a:effectRef idx="2">
+            <a:schemeClr val="accent1"/>
+          </a:effectRef>
+          <a:fontRef idx="minor">
+            <a:schemeClr val="lt1"/>
+          </a:fontRef>
+        </p:style>
+        <p:txBody>
+          <a:bodyPr rtlCol="0" anchor="ctr"/>
+          <a:lstStyle/>
+          <a:p>
+            <a:pPr algn="ctr"/>
+            <a:endParaRPr lang="en-US"/>
+          </a:p>
+        </p:txBody>
+      </p:sp>
+      <p:sp>
+        <p:nvSpPr>
+          <p:cNvPr id="79" name="Rectangle 78"/>
+          <p:cNvSpPr/>
+          <p:nvPr/>
+        </p:nvSpPr>
+        <p:spPr>
+          <a:xfrm>
+            <a:off x="10555559" y="2700828"/>
+            <a:ext cx="197311" cy="200528"/>
+          </a:xfrm>
+          <a:prstGeom prst="rect">
+            <a:avLst/>
+          </a:prstGeom>
+          <a:solidFill>
+            <a:srgbClr val="3899FF"/>
+          </a:solidFill>
+          <a:ln w="34925">
+            <a:noFill/>
+          </a:ln>
+          <a:effectLst/>
+        </p:spPr>
+        <p:style>
+          <a:lnRef idx="1">
+            <a:schemeClr val="accent1"/>
+          </a:lnRef>
+          <a:fillRef idx="3">
+            <a:schemeClr val="accent1"/>
+          </a:fillRef>
+          <a:effectRef idx="2">
+            <a:schemeClr val="accent1"/>
+          </a:effectRef>
+          <a:fontRef idx="minor">
+            <a:schemeClr val="lt1"/>
+          </a:fontRef>
+        </p:style>
+        <p:txBody>
+          <a:bodyPr rtlCol="0" anchor="ctr"/>
+          <a:lstStyle/>
+          <a:p>
+            <a:pPr algn="ctr"/>
+            <a:endParaRPr lang="en-US"/>
+          </a:p>
+        </p:txBody>
+      </p:sp>
     </p:spTree>
     <p:extLst>
       <p:ext uri="{BB962C8B-B14F-4D97-AF65-F5344CB8AC3E}">
